--- a/prithi ppt.pptx
+++ b/prithi ppt.pptx
@@ -2,7 +2,7 @@
 <file path=ppt/presentation.xml><?xml version="1.0" encoding="utf-8"?>
 <p:presentation xmlns:a="http://schemas.openxmlformats.org/drawingml/2006/main" xmlns:r="http://schemas.openxmlformats.org/officeDocument/2006/relationships" xmlns:p="http://schemas.openxmlformats.org/presentationml/2006/main">
   <p:sldMasterIdLst>
-    <p:sldMasterId id="2147483684" r:id="rId1"/>
+    <p:sldMasterId id="2147483702" r:id="rId1"/>
   </p:sldMasterIdLst>
   <p:notesMasterIdLst>
     <p:notesMasterId r:id="rId14"/>
@@ -227,7 +227,7 @@
           <a:p>
             <a:fld id="{84B86612-B127-4CD0-BF15-66D49A7175F7}" type="datetimeFigureOut">
               <a:rPr lang="en-IN" smtClean="0"/>
-              <a:t>12-09-2025</a:t>
+              <a:t>13-09-2025</a:t>
             </a:fld>
             <a:endParaRPr lang="en-IN"/>
           </a:p>
@@ -892,7 +892,7 @@
           <a:p>
             <a:fld id="{1D8BD707-D9CF-40AE-B4C6-C98DA3205C09}" type="datetimeFigureOut">
               <a:rPr lang="en-US" smtClean="0"/>
-              <a:t>9/12/2025</a:t>
+              <a:t>9/13/2025</a:t>
             </a:fld>
             <a:endParaRPr lang="en-US"/>
           </a:p>
@@ -961,7 +961,7 @@
     </p:spTree>
     <p:extLst>
       <p:ext uri="{BB962C8B-B14F-4D97-AF65-F5344CB8AC3E}">
-        <p14:creationId xmlns:p14="http://schemas.microsoft.com/office/powerpoint/2010/main" val="460259832"/>
+        <p14:creationId xmlns:p14="http://schemas.microsoft.com/office/powerpoint/2010/main" val="844504918"/>
       </p:ext>
     </p:extLst>
   </p:cSld>
@@ -1234,7 +1234,7 @@
           <a:p>
             <a:fld id="{1D8BD707-D9CF-40AE-B4C6-C98DA3205C09}" type="datetimeFigureOut">
               <a:rPr lang="en-US" smtClean="0"/>
-              <a:t>9/12/2025</a:t>
+              <a:t>9/13/2025</a:t>
             </a:fld>
             <a:endParaRPr lang="en-US"/>
           </a:p>
@@ -1293,7 +1293,7 @@
     </p:spTree>
     <p:extLst>
       <p:ext uri="{BB962C8B-B14F-4D97-AF65-F5344CB8AC3E}">
-        <p14:creationId xmlns:p14="http://schemas.microsoft.com/office/powerpoint/2010/main" val="1917472523"/>
+        <p14:creationId xmlns:p14="http://schemas.microsoft.com/office/powerpoint/2010/main" val="1759309645"/>
       </p:ext>
     </p:extLst>
   </p:cSld>
@@ -1520,7 +1520,7 @@
           <a:p>
             <a:fld id="{1D8BD707-D9CF-40AE-B4C6-C98DA3205C09}" type="datetimeFigureOut">
               <a:rPr lang="en-US" smtClean="0"/>
-              <a:t>9/12/2025</a:t>
+              <a:t>9/13/2025</a:t>
             </a:fld>
             <a:endParaRPr lang="en-US"/>
           </a:p>
@@ -1579,7 +1579,7 @@
     </p:spTree>
     <p:extLst>
       <p:ext uri="{BB962C8B-B14F-4D97-AF65-F5344CB8AC3E}">
-        <p14:creationId xmlns:p14="http://schemas.microsoft.com/office/powerpoint/2010/main" val="459141842"/>
+        <p14:creationId xmlns:p14="http://schemas.microsoft.com/office/powerpoint/2010/main" val="705416550"/>
       </p:ext>
     </p:extLst>
   </p:cSld>
@@ -1608,7 +1608,7 @@
       </p:grpSpPr>
       <p:pic>
         <p:nvPicPr>
-          <p:cNvPr id="16" name="Picture 15" descr="Celestia-R1---OverlayContentHD.png"/>
+          <p:cNvPr id="11" name="Picture 10" descr="Celestia-R1---OverlayContentHD.png"/>
           <p:cNvPicPr>
             <a:picLocks noChangeAspect="1"/>
           </p:cNvPicPr>
@@ -1638,7 +1638,7 @@
       </p:pic>
       <p:sp>
         <p:nvSpPr>
-          <p:cNvPr id="15" name="TextBox 14"/>
+          <p:cNvPr id="13" name="TextBox 12"/>
           <p:cNvSpPr txBox="1"/>
           <p:nvPr/>
         </p:nvSpPr>
@@ -1754,7 +1754,7 @@
       </p:sp>
       <p:sp>
         <p:nvSpPr>
-          <p:cNvPr id="11" name="TextBox 10"/>
+          <p:cNvPr id="14" name="TextBox 13"/>
           <p:cNvSpPr txBox="1"/>
           <p:nvPr/>
         </p:nvSpPr>
@@ -1870,7 +1870,7 @@
       </p:sp>
       <p:sp>
         <p:nvSpPr>
-          <p:cNvPr id="2" name="Title 1"/>
+          <p:cNvPr id="16" name="Title 1"/>
           <p:cNvSpPr>
             <a:spLocks noGrp="1"/>
           </p:cNvSpPr>
@@ -2096,7 +2096,7 @@
           <a:p>
             <a:fld id="{1D8BD707-D9CF-40AE-B4C6-C98DA3205C09}" type="datetimeFigureOut">
               <a:rPr lang="en-US" smtClean="0"/>
-              <a:t>9/12/2025</a:t>
+              <a:t>9/13/2025</a:t>
             </a:fld>
             <a:endParaRPr lang="en-US"/>
           </a:p>
@@ -2155,7 +2155,7 @@
     </p:spTree>
     <p:extLst>
       <p:ext uri="{BB962C8B-B14F-4D97-AF65-F5344CB8AC3E}">
-        <p14:creationId xmlns:p14="http://schemas.microsoft.com/office/powerpoint/2010/main" val="3987673619"/>
+        <p14:creationId xmlns:p14="http://schemas.microsoft.com/office/powerpoint/2010/main" val="1245654068"/>
       </p:ext>
     </p:extLst>
   </p:cSld>
@@ -2184,7 +2184,7 @@
       </p:grpSpPr>
       <p:pic>
         <p:nvPicPr>
-          <p:cNvPr id="8" name="Picture 7" descr="Celestia-R1---OverlayContentHD.png"/>
+          <p:cNvPr id="7" name="Picture 6" descr="Celestia-R1---OverlayContentHD.png"/>
           <p:cNvPicPr>
             <a:picLocks noChangeAspect="1"/>
           </p:cNvPicPr>
@@ -2382,7 +2382,7 @@
           <a:p>
             <a:fld id="{1D8BD707-D9CF-40AE-B4C6-C98DA3205C09}" type="datetimeFigureOut">
               <a:rPr lang="en-US" smtClean="0"/>
-              <a:t>9/12/2025</a:t>
+              <a:t>9/13/2025</a:t>
             </a:fld>
             <a:endParaRPr lang="en-US"/>
           </a:p>
@@ -2441,7 +2441,7 @@
     </p:spTree>
     <p:extLst>
       <p:ext uri="{BB962C8B-B14F-4D97-AF65-F5344CB8AC3E}">
-        <p14:creationId xmlns:p14="http://schemas.microsoft.com/office/powerpoint/2010/main" val="509395175"/>
+        <p14:creationId xmlns:p14="http://schemas.microsoft.com/office/powerpoint/2010/main" val="2465946601"/>
       </p:ext>
     </p:extLst>
   </p:cSld>
@@ -2952,7 +2952,7 @@
           <a:p>
             <a:fld id="{1D8BD707-D9CF-40AE-B4C6-C98DA3205C09}" type="datetimeFigureOut">
               <a:rPr lang="en-US" smtClean="0"/>
-              <a:t>9/12/2025</a:t>
+              <a:t>9/13/2025</a:t>
             </a:fld>
             <a:endParaRPr lang="en-US"/>
           </a:p>
@@ -3011,7 +3011,7 @@
     </p:spTree>
     <p:extLst>
       <p:ext uri="{BB962C8B-B14F-4D97-AF65-F5344CB8AC3E}">
-        <p14:creationId xmlns:p14="http://schemas.microsoft.com/office/powerpoint/2010/main" val="663299327"/>
+        <p14:creationId xmlns:p14="http://schemas.microsoft.com/office/powerpoint/2010/main" val="2142076354"/>
       </p:ext>
     </p:extLst>
   </p:cSld>
@@ -3287,7 +3287,7 @@
           <a:p>
             <a:fld id="{1D8BD707-D9CF-40AE-B4C6-C98DA3205C09}" type="datetimeFigureOut">
               <a:rPr lang="en-US" smtClean="0"/>
-              <a:t>9/12/2025</a:t>
+              <a:t>9/13/2025</a:t>
             </a:fld>
             <a:endParaRPr lang="en-US"/>
           </a:p>
@@ -3346,7 +3346,7 @@
     </p:spTree>
     <p:extLst>
       <p:ext uri="{BB962C8B-B14F-4D97-AF65-F5344CB8AC3E}">
-        <p14:creationId xmlns:p14="http://schemas.microsoft.com/office/powerpoint/2010/main" val="4152117317"/>
+        <p14:creationId xmlns:p14="http://schemas.microsoft.com/office/powerpoint/2010/main" val="2561218268"/>
       </p:ext>
     </p:extLst>
   </p:cSld>
@@ -3405,6 +3405,34 @@
       </p:pic>
       <p:sp>
         <p:nvSpPr>
+          <p:cNvPr id="8" name="Title 1"/>
+          <p:cNvSpPr>
+            <a:spLocks noGrp="1"/>
+          </p:cNvSpPr>
+          <p:nvPr>
+            <p:ph type="title"/>
+          </p:nvPr>
+        </p:nvSpPr>
+        <p:spPr>
+          <a:xfrm>
+            <a:off x="685801" y="609600"/>
+            <a:ext cx="10131425" cy="1456267"/>
+          </a:xfrm>
+        </p:spPr>
+        <p:txBody>
+          <a:bodyPr/>
+          <a:lstStyle/>
+          <a:p>
+            <a:r>
+              <a:rPr lang="en-US" smtClean="0"/>
+              <a:t>Click to edit Master title style</a:t>
+            </a:r>
+            <a:endParaRPr lang="en-US" dirty="0"/>
+          </a:p>
+        </p:txBody>
+      </p:sp>
+      <p:sp>
+        <p:nvSpPr>
           <p:cNvPr id="3" name="Vertical Text Placeholder 2"/>
           <p:cNvSpPr>
             <a:spLocks noGrp="1"/>
@@ -3472,7 +3500,7 @@
           <a:p>
             <a:fld id="{1D8BD707-D9CF-40AE-B4C6-C98DA3205C09}" type="datetimeFigureOut">
               <a:rPr lang="en-US" smtClean="0"/>
-              <a:t>9/12/2025</a:t>
+              <a:t>9/13/2025</a:t>
             </a:fld>
             <a:endParaRPr lang="en-US"/>
           </a:p>
@@ -3528,38 +3556,10 @@
           </a:p>
         </p:txBody>
       </p:sp>
-      <p:sp>
-        <p:nvSpPr>
-          <p:cNvPr id="8" name="Title 1"/>
-          <p:cNvSpPr>
-            <a:spLocks noGrp="1"/>
-          </p:cNvSpPr>
-          <p:nvPr>
-            <p:ph type="title"/>
-          </p:nvPr>
-        </p:nvSpPr>
-        <p:spPr>
-          <a:xfrm>
-            <a:off x="685801" y="609600"/>
-            <a:ext cx="10131425" cy="1456267"/>
-          </a:xfrm>
-        </p:spPr>
-        <p:txBody>
-          <a:bodyPr/>
-          <a:lstStyle/>
-          <a:p>
-            <a:r>
-              <a:rPr lang="en-US" smtClean="0"/>
-              <a:t>Click to edit Master title style</a:t>
-            </a:r>
-            <a:endParaRPr lang="en-US" dirty="0"/>
-          </a:p>
-        </p:txBody>
-      </p:sp>
     </p:spTree>
     <p:extLst>
       <p:ext uri="{BB962C8B-B14F-4D97-AF65-F5344CB8AC3E}">
-        <p14:creationId xmlns:p14="http://schemas.microsoft.com/office/powerpoint/2010/main" val="1094723392"/>
+        <p14:creationId xmlns:p14="http://schemas.microsoft.com/office/powerpoint/2010/main" val="763566624"/>
       </p:ext>
     </p:extLst>
   </p:cSld>
@@ -3718,7 +3718,7 @@
           <a:p>
             <a:fld id="{1D8BD707-D9CF-40AE-B4C6-C98DA3205C09}" type="datetimeFigureOut">
               <a:rPr lang="en-US" smtClean="0"/>
-              <a:t>9/12/2025</a:t>
+              <a:t>9/13/2025</a:t>
             </a:fld>
             <a:endParaRPr lang="en-US"/>
           </a:p>
@@ -3777,7 +3777,7 @@
     </p:spTree>
     <p:extLst>
       <p:ext uri="{BB962C8B-B14F-4D97-AF65-F5344CB8AC3E}">
-        <p14:creationId xmlns:p14="http://schemas.microsoft.com/office/powerpoint/2010/main" val="3012820286"/>
+        <p14:creationId xmlns:p14="http://schemas.microsoft.com/office/powerpoint/2010/main" val="779810537"/>
       </p:ext>
     </p:extLst>
   </p:cSld>
@@ -3926,7 +3926,7 @@
           <a:p>
             <a:fld id="{1D8BD707-D9CF-40AE-B4C6-C98DA3205C09}" type="datetimeFigureOut">
               <a:rPr lang="en-US" smtClean="0"/>
-              <a:t>9/12/2025</a:t>
+              <a:t>9/13/2025</a:t>
             </a:fld>
             <a:endParaRPr lang="en-US"/>
           </a:p>
@@ -3985,7 +3985,7 @@
     </p:spTree>
     <p:extLst>
       <p:ext uri="{BB962C8B-B14F-4D97-AF65-F5344CB8AC3E}">
-        <p14:creationId xmlns:p14="http://schemas.microsoft.com/office/powerpoint/2010/main" val="3612856192"/>
+        <p14:creationId xmlns:p14="http://schemas.microsoft.com/office/powerpoint/2010/main" val="2813750704"/>
       </p:ext>
     </p:extLst>
   </p:cSld>
@@ -4210,7 +4210,7 @@
           <a:p>
             <a:fld id="{1D8BD707-D9CF-40AE-B4C6-C98DA3205C09}" type="datetimeFigureOut">
               <a:rPr lang="en-US" smtClean="0"/>
-              <a:t>9/12/2025</a:t>
+              <a:t>9/13/2025</a:t>
             </a:fld>
             <a:endParaRPr lang="en-US"/>
           </a:p>
@@ -4269,7 +4269,7 @@
     </p:spTree>
     <p:extLst>
       <p:ext uri="{BB962C8B-B14F-4D97-AF65-F5344CB8AC3E}">
-        <p14:creationId xmlns:p14="http://schemas.microsoft.com/office/powerpoint/2010/main" val="2599530138"/>
+        <p14:creationId xmlns:p14="http://schemas.microsoft.com/office/powerpoint/2010/main" val="2316823442"/>
       </p:ext>
     </p:extLst>
   </p:cSld>
@@ -4484,7 +4484,7 @@
           <a:p>
             <a:fld id="{1D8BD707-D9CF-40AE-B4C6-C98DA3205C09}" type="datetimeFigureOut">
               <a:rPr lang="en-US" smtClean="0"/>
-              <a:t>9/12/2025</a:t>
+              <a:t>9/13/2025</a:t>
             </a:fld>
             <a:endParaRPr lang="en-US"/>
           </a:p>
@@ -4543,7 +4543,7 @@
     </p:spTree>
     <p:extLst>
       <p:ext uri="{BB962C8B-B14F-4D97-AF65-F5344CB8AC3E}">
-        <p14:creationId xmlns:p14="http://schemas.microsoft.com/office/powerpoint/2010/main" val="2283107675"/>
+        <p14:creationId xmlns:p14="http://schemas.microsoft.com/office/powerpoint/2010/main" val="2933018585"/>
       </p:ext>
     </p:extLst>
   </p:cSld>
@@ -4866,7 +4866,7 @@
           <a:p>
             <a:fld id="{1D8BD707-D9CF-40AE-B4C6-C98DA3205C09}" type="datetimeFigureOut">
               <a:rPr lang="en-US" smtClean="0"/>
-              <a:t>9/12/2025</a:t>
+              <a:t>9/13/2025</a:t>
             </a:fld>
             <a:endParaRPr lang="en-US"/>
           </a:p>
@@ -4925,7 +4925,7 @@
     </p:spTree>
     <p:extLst>
       <p:ext uri="{BB962C8B-B14F-4D97-AF65-F5344CB8AC3E}">
-        <p14:creationId xmlns:p14="http://schemas.microsoft.com/office/powerpoint/2010/main" val="428485144"/>
+        <p14:creationId xmlns:p14="http://schemas.microsoft.com/office/powerpoint/2010/main" val="2624618718"/>
       </p:ext>
     </p:extLst>
   </p:cSld>
@@ -5022,7 +5022,7 @@
           <a:p>
             <a:fld id="{1D8BD707-D9CF-40AE-B4C6-C98DA3205C09}" type="datetimeFigureOut">
               <a:rPr lang="en-US" smtClean="0"/>
-              <a:t>9/12/2025</a:t>
+              <a:t>9/13/2025</a:t>
             </a:fld>
             <a:endParaRPr lang="en-US"/>
           </a:p>
@@ -5081,7 +5081,7 @@
     </p:spTree>
     <p:extLst>
       <p:ext uri="{BB962C8B-B14F-4D97-AF65-F5344CB8AC3E}">
-        <p14:creationId xmlns:p14="http://schemas.microsoft.com/office/powerpoint/2010/main" val="1512555944"/>
+        <p14:creationId xmlns:p14="http://schemas.microsoft.com/office/powerpoint/2010/main" val="312414060"/>
       </p:ext>
     </p:extLst>
   </p:cSld>
@@ -5155,7 +5155,7 @@
           <a:p>
             <a:fld id="{1D8BD707-D9CF-40AE-B4C6-C98DA3205C09}" type="datetimeFigureOut">
               <a:rPr lang="en-US" smtClean="0"/>
-              <a:t>9/12/2025</a:t>
+              <a:t>9/13/2025</a:t>
             </a:fld>
             <a:endParaRPr lang="en-US"/>
           </a:p>
@@ -5214,7 +5214,7 @@
     </p:spTree>
     <p:extLst>
       <p:ext uri="{BB962C8B-B14F-4D97-AF65-F5344CB8AC3E}">
-        <p14:creationId xmlns:p14="http://schemas.microsoft.com/office/powerpoint/2010/main" val="522796963"/>
+        <p14:creationId xmlns:p14="http://schemas.microsoft.com/office/powerpoint/2010/main" val="124054061"/>
       </p:ext>
     </p:extLst>
   </p:cSld>
@@ -5448,7 +5448,7 @@
           <a:p>
             <a:fld id="{1D8BD707-D9CF-40AE-B4C6-C98DA3205C09}" type="datetimeFigureOut">
               <a:rPr lang="en-US" smtClean="0"/>
-              <a:t>9/12/2025</a:t>
+              <a:t>9/13/2025</a:t>
             </a:fld>
             <a:endParaRPr lang="en-US"/>
           </a:p>
@@ -5507,7 +5507,7 @@
     </p:spTree>
     <p:extLst>
       <p:ext uri="{BB962C8B-B14F-4D97-AF65-F5344CB8AC3E}">
-        <p14:creationId xmlns:p14="http://schemas.microsoft.com/office/powerpoint/2010/main" val="1224726844"/>
+        <p14:creationId xmlns:p14="http://schemas.microsoft.com/office/powerpoint/2010/main" val="2298793782"/>
       </p:ext>
     </p:extLst>
   </p:cSld>
@@ -5780,7 +5780,7 @@
           <a:p>
             <a:fld id="{1D8BD707-D9CF-40AE-B4C6-C98DA3205C09}" type="datetimeFigureOut">
               <a:rPr lang="en-US" smtClean="0"/>
-              <a:t>9/12/2025</a:t>
+              <a:t>9/13/2025</a:t>
             </a:fld>
             <a:endParaRPr lang="en-US"/>
           </a:p>
@@ -5839,7 +5839,7 @@
     </p:spTree>
     <p:extLst>
       <p:ext uri="{BB962C8B-B14F-4D97-AF65-F5344CB8AC3E}">
-        <p14:creationId xmlns:p14="http://schemas.microsoft.com/office/powerpoint/2010/main" val="4009825052"/>
+        <p14:creationId xmlns:p14="http://schemas.microsoft.com/office/powerpoint/2010/main" val="3200873746"/>
       </p:ext>
     </p:extLst>
   </p:cSld>
@@ -6002,7 +6002,7 @@
           <a:p>
             <a:fld id="{1D8BD707-D9CF-40AE-B4C6-C98DA3205C09}" type="datetimeFigureOut">
               <a:rPr lang="en-US" smtClean="0"/>
-              <a:t>9/12/2025</a:t>
+              <a:t>9/13/2025</a:t>
             </a:fld>
             <a:endParaRPr lang="en-US"/>
           </a:p>
@@ -6097,29 +6097,29 @@
     </p:spTree>
     <p:extLst>
       <p:ext uri="{BB962C8B-B14F-4D97-AF65-F5344CB8AC3E}">
-        <p14:creationId xmlns:p14="http://schemas.microsoft.com/office/powerpoint/2010/main" val="18157870"/>
+        <p14:creationId xmlns:p14="http://schemas.microsoft.com/office/powerpoint/2010/main" val="3674314562"/>
       </p:ext>
     </p:extLst>
   </p:cSld>
   <p:clrMap bg1="dk1" tx1="lt1" bg2="dk2" tx2="lt2" accent1="accent1" accent2="accent2" accent3="accent3" accent4="accent4" accent5="accent5" accent6="accent6" hlink="hlink" folHlink="folHlink"/>
   <p:sldLayoutIdLst>
-    <p:sldLayoutId id="2147483685" r:id="rId1"/>
-    <p:sldLayoutId id="2147483686" r:id="rId2"/>
-    <p:sldLayoutId id="2147483687" r:id="rId3"/>
-    <p:sldLayoutId id="2147483688" r:id="rId4"/>
-    <p:sldLayoutId id="2147483689" r:id="rId5"/>
-    <p:sldLayoutId id="2147483690" r:id="rId6"/>
-    <p:sldLayoutId id="2147483691" r:id="rId7"/>
-    <p:sldLayoutId id="2147483692" r:id="rId8"/>
-    <p:sldLayoutId id="2147483693" r:id="rId9"/>
-    <p:sldLayoutId id="2147483694" r:id="rId10"/>
-    <p:sldLayoutId id="2147483695" r:id="rId11"/>
-    <p:sldLayoutId id="2147483696" r:id="rId12"/>
-    <p:sldLayoutId id="2147483697" r:id="rId13"/>
-    <p:sldLayoutId id="2147483698" r:id="rId14"/>
-    <p:sldLayoutId id="2147483699" r:id="rId15"/>
-    <p:sldLayoutId id="2147483700" r:id="rId16"/>
-    <p:sldLayoutId id="2147483701" r:id="rId17"/>
+    <p:sldLayoutId id="2147483703" r:id="rId1"/>
+    <p:sldLayoutId id="2147483704" r:id="rId2"/>
+    <p:sldLayoutId id="2147483705" r:id="rId3"/>
+    <p:sldLayoutId id="2147483706" r:id="rId4"/>
+    <p:sldLayoutId id="2147483707" r:id="rId5"/>
+    <p:sldLayoutId id="2147483708" r:id="rId6"/>
+    <p:sldLayoutId id="2147483709" r:id="rId7"/>
+    <p:sldLayoutId id="2147483710" r:id="rId8"/>
+    <p:sldLayoutId id="2147483711" r:id="rId9"/>
+    <p:sldLayoutId id="2147483712" r:id="rId10"/>
+    <p:sldLayoutId id="2147483713" r:id="rId11"/>
+    <p:sldLayoutId id="2147483714" r:id="rId12"/>
+    <p:sldLayoutId id="2147483715" r:id="rId13"/>
+    <p:sldLayoutId id="2147483716" r:id="rId14"/>
+    <p:sldLayoutId id="2147483717" r:id="rId15"/>
+    <p:sldLayoutId id="2147483718" r:id="rId16"/>
+    <p:sldLayoutId id="2147483719" r:id="rId17"/>
   </p:sldLayoutIdLst>
   <p:txStyles>
     <p:titleStyle>
@@ -6874,7 +6874,7 @@
         <p:spPr>
           <a:xfrm>
             <a:off x="2554542" y="3314150"/>
-            <a:ext cx="8610600" cy="3416320"/>
+            <a:ext cx="8610600" cy="3785652"/>
           </a:xfrm>
           <a:prstGeom prst="rect">
             <a:avLst/>
@@ -6892,49 +6892,87 @@
               <a:t>STUDENT NAME: </a:t>
             </a:r>
             <a:r>
-              <a:rPr lang="en-US" sz="2400" b="1" dirty="0" err="1" smtClean="0"/>
+              <a:rPr lang="en-US" sz="2400" b="1" u="sng" dirty="0" err="1" smtClean="0"/>
               <a:t>Prithi</a:t>
+            </a:r>
+            <a:r>
+              <a:rPr lang="en-US" sz="2400" b="1" u="sng" dirty="0" smtClean="0"/>
+              <a:t> </a:t>
+            </a:r>
+            <a:r>
+              <a:rPr lang="en-US" sz="2400" b="1" u="sng" dirty="0" smtClean="0"/>
+              <a:t>J</a:t>
+            </a:r>
+          </a:p>
+          <a:p>
+            <a:endParaRPr lang="en-US" sz="2400" b="1" dirty="0"/>
+          </a:p>
+          <a:p>
+            <a:r>
+              <a:rPr lang="en-US" sz="2400" b="1" dirty="0" smtClean="0"/>
+              <a:t>REGISTER NO AND </a:t>
+            </a:r>
+            <a:r>
+              <a:rPr lang="en-US" sz="2400" b="1" dirty="0" smtClean="0"/>
+              <a:t>NMID: </a:t>
+            </a:r>
+            <a:r>
+              <a:rPr lang="en-US" sz="2400" b="1" u="sng" dirty="0" smtClean="0"/>
+              <a:t>222403098 /</a:t>
             </a:r>
             <a:r>
               <a:rPr lang="en-US" sz="2400" b="1" dirty="0" smtClean="0"/>
               <a:t> </a:t>
             </a:r>
+          </a:p>
+          <a:p>
+            <a:r>
+              <a:rPr lang="en-US" sz="2400" b="1" dirty="0"/>
+              <a:t> </a:t>
+            </a:r>
             <a:r>
               <a:rPr lang="en-US" sz="2400" b="1" dirty="0" smtClean="0"/>
-              <a:t>J</a:t>
-            </a:r>
-          </a:p>
-          <a:p>
-            <a:endParaRPr lang="en-US" sz="2400" b="1" dirty="0"/>
-          </a:p>
-          <a:p>
-            <a:r>
-              <a:rPr lang="en-US" sz="2400" b="1" dirty="0"/>
-              <a:t>REGISTER NO AND </a:t>
-            </a:r>
+              <a:t>                                               </a:t>
+            </a:r>
+            <a:r>
+              <a:rPr lang="en-US" sz="2400" b="1" u="sng" dirty="0" smtClean="0"/>
+              <a:t>0FB40E4D1E9D308B0384E45EC2A56A29</a:t>
+            </a:r>
+            <a:endParaRPr lang="en-US" sz="2400" b="1" u="sng" dirty="0" smtClean="0"/>
+          </a:p>
+          <a:p>
             <a:r>
               <a:rPr lang="en-US" sz="2400" b="1" dirty="0" smtClean="0"/>
-              <a:t>NMID:222403098/autunm1872422123 </a:t>
-            </a:r>
-            <a:endParaRPr lang="en-US" sz="2400" b="1" dirty="0" smtClean="0"/>
-          </a:p>
-          <a:p>
+              <a:t> </a:t>
+            </a:r>
             <a:endParaRPr lang="en-US" sz="2400" b="1" dirty="0">
               <a:cs typeface="Calibri"/>
             </a:endParaRPr>
           </a:p>
           <a:p>
             <a:r>
-              <a:rPr lang="en-US" sz="2400" b="1" dirty="0"/>
+              <a:rPr lang="en-US" sz="2400" b="1" dirty="0" smtClean="0"/>
               <a:t>DEPARTMENT: </a:t>
             </a:r>
             <a:r>
-              <a:rPr lang="en-US" sz="2400" b="1" dirty="0" smtClean="0"/>
-              <a:t>Computer science with Data </a:t>
-            </a:r>
-            <a:r>
-              <a:rPr lang="en-US" sz="2400" b="1" dirty="0" smtClean="0"/>
-              <a:t>Science</a:t>
+              <a:rPr lang="en-US" sz="2400" b="1" u="sng" dirty="0" smtClean="0"/>
+              <a:t>BSc (Computer </a:t>
+            </a:r>
+            <a:r>
+              <a:rPr lang="en-US" sz="2400" b="1" u="sng" dirty="0"/>
+              <a:t>S</a:t>
+            </a:r>
+            <a:r>
+              <a:rPr lang="en-US" sz="2400" b="1" u="sng" dirty="0" smtClean="0"/>
+              <a:t>cience </a:t>
+            </a:r>
+            <a:r>
+              <a:rPr lang="en-US" sz="2400" b="1" u="sng" dirty="0" smtClean="0"/>
+              <a:t>with Data </a:t>
+            </a:r>
+            <a:r>
+              <a:rPr lang="en-US" sz="2400" b="1" u="sng" dirty="0" smtClean="0"/>
+              <a:t>Science)</a:t>
             </a:r>
           </a:p>
           <a:p>
@@ -6946,13 +6984,34 @@
               <a:t>COLLEGE: </a:t>
             </a:r>
             <a:r>
-              <a:rPr lang="en-US" sz="2400" b="1" dirty="0" err="1" smtClean="0"/>
+              <a:rPr lang="en-US" sz="2400" b="1" u="sng" dirty="0" err="1" smtClean="0"/>
               <a:t>Sriram</a:t>
             </a:r>
             <a:r>
-              <a:rPr lang="en-US" sz="2400" b="1" dirty="0" smtClean="0"/>
-              <a:t> college of arts and science</a:t>
-            </a:r>
+              <a:rPr lang="en-US" sz="2400" b="1" u="sng" dirty="0" smtClean="0"/>
+              <a:t> </a:t>
+            </a:r>
+            <a:r>
+              <a:rPr lang="en-US" sz="2400" b="1" u="sng" dirty="0" smtClean="0"/>
+              <a:t>College </a:t>
+            </a:r>
+            <a:r>
+              <a:rPr lang="en-US" sz="2400" b="1" u="sng" dirty="0" smtClean="0"/>
+              <a:t>of </a:t>
+            </a:r>
+            <a:r>
+              <a:rPr lang="en-US" sz="2400" b="1" u="sng" dirty="0" smtClean="0"/>
+              <a:t>Arts </a:t>
+            </a:r>
+            <a:r>
+              <a:rPr lang="en-US" sz="2400" b="1" u="sng" dirty="0" smtClean="0"/>
+              <a:t>and </a:t>
+            </a:r>
+            <a:r>
+              <a:rPr lang="en-US" sz="2400" b="1" u="sng" dirty="0" smtClean="0"/>
+              <a:t>Science</a:t>
+            </a:r>
+            <a:endParaRPr lang="en-US" sz="2400" b="1" u="sng" dirty="0" smtClean="0"/>
           </a:p>
           <a:p>
             <a:endParaRPr lang="en-US" sz="2400" b="1" dirty="0"/>
@@ -10199,34 +10258,34 @@
         <a:sysClr val="window" lastClr="FFFFFF"/>
       </a:lt1>
       <a:dk2>
-        <a:srgbClr val="18276C"/>
+        <a:srgbClr val="104C7E"/>
       </a:dk2>
       <a:lt2>
         <a:srgbClr val="EBEBEB"/>
       </a:lt2>
       <a:accent1>
-        <a:srgbClr val="AC3EC1"/>
+        <a:srgbClr val="94CE67"/>
       </a:accent1>
       <a:accent2>
-        <a:srgbClr val="477BD1"/>
+        <a:srgbClr val="49D1CD"/>
       </a:accent2>
       <a:accent3>
-        <a:srgbClr val="46B298"/>
+        <a:srgbClr val="61A5D6"/>
       </a:accent3>
       <a:accent4>
-        <a:srgbClr val="90BA4C"/>
+        <a:srgbClr val="9D8CD3"/>
       </a:accent4>
       <a:accent5>
-        <a:srgbClr val="DD9D31"/>
+        <a:srgbClr val="E45C8A"/>
       </a:accent5>
       <a:accent6>
-        <a:srgbClr val="E25247"/>
+        <a:srgbClr val="F98C61"/>
       </a:accent6>
       <a:hlink>
-        <a:srgbClr val="C573D2"/>
+        <a:srgbClr val="AAF172"/>
       </a:hlink>
       <a:folHlink>
-        <a:srgbClr val="CCAEE8"/>
+        <a:srgbClr val="E7F19A"/>
       </a:folHlink>
     </a:clrScheme>
     <a:fontScheme name="Celestial">
@@ -10431,7 +10490,7 @@
   <a:extraClrSchemeLst/>
   <a:extLst>
     <a:ext uri="{05A4C25C-085E-4340-85A3-A5531E510DB2}">
-      <thm15:themeFamily xmlns:thm15="http://schemas.microsoft.com/office/thememl/2012/main" name="Celestial" id="{C4BB2A3D-0E93-4C5F-B0D2-9D3FCE089CC5}" vid="{42E5908D-19A2-46FD-89FA-638B126129EF}"/>
+      <thm15:themeFamily xmlns:thm15="http://schemas.microsoft.com/office/thememl/2012/main" name="Celestial" id="{C4BB2A3D-0E93-4C5F-B0D2-9D3FCE089CC5}" vid="{E44E6A2F-09CD-4BE0-B42D-107FF03CEED6}"/>
     </a:ext>
   </a:extLst>
 </a:theme>
@@ -10730,90 +10789,4 @@
     </a:ext>
   </a:extLst>
 </a:theme>
-</file>
-
-<file path=ppt/theme/themeOverride1.xml><?xml version="1.0" encoding="utf-8"?>
-<a:themeOverride xmlns:a="http://schemas.openxmlformats.org/drawingml/2006/main">
-  <a:clrScheme name="Celestial">
-    <a:dk1>
-      <a:sysClr val="windowText" lastClr="000000"/>
-    </a:dk1>
-    <a:lt1>
-      <a:sysClr val="window" lastClr="FFFFFF"/>
-    </a:lt1>
-    <a:dk2>
-      <a:srgbClr val="18276C"/>
-    </a:dk2>
-    <a:lt2>
-      <a:srgbClr val="EBEBEB"/>
-    </a:lt2>
-    <a:accent1>
-      <a:srgbClr val="AC3EC1"/>
-    </a:accent1>
-    <a:accent2>
-      <a:srgbClr val="477BD1"/>
-    </a:accent2>
-    <a:accent3>
-      <a:srgbClr val="46B298"/>
-    </a:accent3>
-    <a:accent4>
-      <a:srgbClr val="90BA4C"/>
-    </a:accent4>
-    <a:accent5>
-      <a:srgbClr val="DD9D31"/>
-    </a:accent5>
-    <a:accent6>
-      <a:srgbClr val="E25247"/>
-    </a:accent6>
-    <a:hlink>
-      <a:srgbClr val="C573D2"/>
-    </a:hlink>
-    <a:folHlink>
-      <a:srgbClr val="CCAEE8"/>
-    </a:folHlink>
-  </a:clrScheme>
-</a:themeOverride>
-</file>
-
-<file path=ppt/theme/themeOverride2.xml><?xml version="1.0" encoding="utf-8"?>
-<a:themeOverride xmlns:a="http://schemas.openxmlformats.org/drawingml/2006/main">
-  <a:clrScheme name="Celestial">
-    <a:dk1>
-      <a:sysClr val="windowText" lastClr="000000"/>
-    </a:dk1>
-    <a:lt1>
-      <a:sysClr val="window" lastClr="FFFFFF"/>
-    </a:lt1>
-    <a:dk2>
-      <a:srgbClr val="18276C"/>
-    </a:dk2>
-    <a:lt2>
-      <a:srgbClr val="EBEBEB"/>
-    </a:lt2>
-    <a:accent1>
-      <a:srgbClr val="AC3EC1"/>
-    </a:accent1>
-    <a:accent2>
-      <a:srgbClr val="477BD1"/>
-    </a:accent2>
-    <a:accent3>
-      <a:srgbClr val="46B298"/>
-    </a:accent3>
-    <a:accent4>
-      <a:srgbClr val="90BA4C"/>
-    </a:accent4>
-    <a:accent5>
-      <a:srgbClr val="DD9D31"/>
-    </a:accent5>
-    <a:accent6>
-      <a:srgbClr val="E25247"/>
-    </a:accent6>
-    <a:hlink>
-      <a:srgbClr val="C573D2"/>
-    </a:hlink>
-    <a:folHlink>
-      <a:srgbClr val="CCAEE8"/>
-    </a:folHlink>
-  </a:clrScheme>
-</a:themeOverride>
 </file>